--- a/Coding_Poster.pptx
+++ b/Coding_Poster.pptx
@@ -588,7 +588,7 @@
           </a:bodyPr>
           <a:lstStyle/>
           <a:p>
-            <a:endParaRPr lang="en-US"/>
+            <a:endParaRPr lang="en-US" dirty="0"/>
           </a:p>
         </p:txBody>
       </p:sp>
@@ -2024,15 +2024,6 @@
                 </a:rPr>
                 <a:t>PosterPresentations.com</a:t>
               </a:r>
-              <a:r>
-                <a:rPr lang="en-US" sz="2800" dirty="0">
-                  <a:solidFill>
-                    <a:schemeClr val="bg1"/>
-                  </a:solidFill>
-                  <a:latin typeface="Trebuchet MS" pitchFamily="34" charset="0"/>
-                </a:rPr>
-                <a:t/>
-              </a:r>
               <a:br>
                 <a:rPr lang="en-US" sz="2800" dirty="0">
                   <a:solidFill>
@@ -2268,15 +2259,6 @@
             </a:p>
             <a:p>
               <a:pPr algn="l"/>
-              <a:r>
-                <a:rPr lang="en-US" sz="2800" b="1" baseline="0" dirty="0">
-                  <a:solidFill>
-                    <a:schemeClr val="bg1"/>
-                  </a:solidFill>
-                  <a:latin typeface="Trebuchet MS" pitchFamily="34" charset="0"/>
-                </a:rPr>
-                <a:t/>
-              </a:r>
               <a:br>
                 <a:rPr lang="en-US" sz="2800" b="1" baseline="0" dirty="0">
                   <a:solidFill>
@@ -2885,7 +2867,7 @@
               <a:graphicData uri="http://schemas.openxmlformats.org/presentationml/2006/ole">
                 <mc:AlternateContent xmlns:mc="http://schemas.openxmlformats.org/markup-compatibility/2006">
                   <mc:Choice xmlns:v="urn:schemas-microsoft-com:vml" Requires="v">
-                    <p:oleObj spid="_x0000_s1134" name="Image" r:id="rId8" imgW="1828440" imgH="1117440" progId="Photoshop.Image.13">
+                    <p:oleObj spid="_x0000_s1258" name="Image" r:id="rId8" imgW="1828440" imgH="1117440" progId="Photoshop.Image.13">
                       <p:embed/>
                     </p:oleObj>
                   </mc:Choice>
@@ -2942,7 +2924,7 @@
               <a:graphicData uri="http://schemas.openxmlformats.org/presentationml/2006/ole">
                 <mc:AlternateContent xmlns:mc="http://schemas.openxmlformats.org/markup-compatibility/2006">
                   <mc:Choice xmlns:v="urn:schemas-microsoft-com:vml" Requires="v">
-                    <p:oleObj spid="_x0000_s1135" name="Image" r:id="rId10" imgW="1828440" imgH="1117440" progId="Photoshop.Image.13">
+                    <p:oleObj spid="_x0000_s1259" name="Image" r:id="rId10" imgW="1828440" imgH="1117440" progId="Photoshop.Image.13">
                       <p:embed/>
                     </p:oleObj>
                   </mc:Choice>
@@ -4065,7 +4047,7 @@
             <a:graphicData uri="http://schemas.openxmlformats.org/presentationml/2006/ole">
               <mc:AlternateContent xmlns:mc="http://schemas.openxmlformats.org/markup-compatibility/2006">
                 <mc:Choice xmlns:v="urn:schemas-microsoft-com:vml" Requires="v">
-                  <p:oleObj spid="_x0000_s1136" name="Image" r:id="rId12" imgW="4571280" imgH="1688760" progId="Photoshop.Image.13">
+                  <p:oleObj spid="_x0000_s1260" name="Image" r:id="rId12" imgW="4571280" imgH="1688760" progId="Photoshop.Image.13">
                     <p:embed/>
                   </p:oleObj>
                 </mc:Choice>
@@ -4149,7 +4131,7 @@
             <a:graphicData uri="http://schemas.openxmlformats.org/presentationml/2006/ole">
               <mc:AlternateContent xmlns:mc="http://schemas.openxmlformats.org/markup-compatibility/2006">
                 <mc:Choice xmlns:v="urn:schemas-microsoft-com:vml" Requires="v">
-                  <p:oleObj spid="_x0000_s1137" name="Image" r:id="rId15" imgW="1574280" imgH="1053720" progId="Photoshop.Image.13">
+                  <p:oleObj spid="_x0000_s1261" name="Image" r:id="rId15" imgW="1574280" imgH="1053720" progId="Photoshop.Image.13">
                     <p:embed/>
                   </p:oleObj>
                 </mc:Choice>
@@ -4730,30 +4712,2171 @@
         </p:nvSpPr>
         <p:spPr>
           <a:xfrm>
-            <a:off x="11639881" y="2709364"/>
+            <a:off x="11234738" y="1991665"/>
             <a:ext cx="21421724" cy="1280160"/>
           </a:xfrm>
         </p:spPr>
         <p:txBody>
           <a:bodyPr>
-            <a:normAutofit fontScale="92500" lnSpcReduction="10000"/>
+            <a:noAutofit/>
           </a:bodyPr>
           <a:lstStyle/>
           <a:p>
             <a:r>
-              <a:rPr lang="en-US" u="sng" dirty="0" smtClean="0">
+              <a:rPr lang="en-US" dirty="0">
+                <a:solidFill>
+                  <a:schemeClr val="tx2"/>
+                </a:solidFill>
                 <a:latin typeface="Times New Roman" panose="02020603050405020304" pitchFamily="18" charset="0"/>
                 <a:cs typeface="Times New Roman" panose="02020603050405020304" pitchFamily="18" charset="0"/>
               </a:rPr>
-              <a:t>Software</a:t>
+              <a:t>Detection and Response</a:t>
             </a:r>
-            <a:endParaRPr lang="en-US" u="sng" dirty="0">
+          </a:p>
+        </p:txBody>
+      </p:sp>
+      <p:grpSp>
+        <p:nvGrpSpPr>
+          <p:cNvPr id="2062" name="Group 2061">
+            <a:extLst>
+              <a:ext uri="{FF2B5EF4-FFF2-40B4-BE49-F238E27FC236}">
+                <a16:creationId xmlns:a16="http://schemas.microsoft.com/office/drawing/2014/main" id="{A29A0CF3-6839-47DB-9E9C-97ABE501345C}"/>
+              </a:ext>
+            </a:extLst>
+          </p:cNvPr>
+          <p:cNvGrpSpPr/>
+          <p:nvPr/>
+        </p:nvGrpSpPr>
+        <p:grpSpPr>
+          <a:xfrm>
+            <a:off x="20952096" y="15540884"/>
+            <a:ext cx="21421724" cy="17377516"/>
+            <a:chOff x="28540827" y="16413119"/>
+            <a:chExt cx="14615208" cy="15795668"/>
+          </a:xfrm>
+        </p:grpSpPr>
+        <p:pic>
+          <p:nvPicPr>
+            <p:cNvPr id="2050" name="Picture 2" descr="detection_plot.png">
+              <a:extLst>
+                <a:ext uri="{FF2B5EF4-FFF2-40B4-BE49-F238E27FC236}">
+                  <a16:creationId xmlns:a16="http://schemas.microsoft.com/office/drawing/2014/main" id="{E2AE3825-7090-4238-85A4-B95AE4A40AAD}"/>
+                </a:ext>
+              </a:extLst>
+            </p:cNvPr>
+            <p:cNvPicPr>
+              <a:picLocks noChangeAspect="1" noChangeArrowheads="1"/>
+            </p:cNvPicPr>
+            <p:nvPr/>
+          </p:nvPicPr>
+          <p:blipFill>
+            <a:blip r:embed="rId4">
+              <a:extLst>
+                <a:ext uri="{28A0092B-C50C-407E-A947-70E740481C1C}">
+                  <a14:useLocalDpi xmlns:a14="http://schemas.microsoft.com/office/drawing/2010/main" val="0"/>
+                </a:ext>
+              </a:extLst>
+            </a:blip>
+            <a:srcRect/>
+            <a:stretch>
+              <a:fillRect/>
+            </a:stretch>
+          </p:blipFill>
+          <p:spPr bwMode="auto">
+            <a:xfrm>
+              <a:off x="28540827" y="24878347"/>
+              <a:ext cx="14615208" cy="7330440"/>
+            </a:xfrm>
+            <a:prstGeom prst="rect">
+              <a:avLst/>
+            </a:prstGeom>
+            <a:noFill/>
+            <a:extLst>
+              <a:ext uri="{909E8E84-426E-40DD-AFC4-6F175D3DCCD1}">
+                <a14:hiddenFill xmlns:a14="http://schemas.microsoft.com/office/drawing/2010/main">
+                  <a:solidFill>
+                    <a:srgbClr val="FFFFFF"/>
+                  </a:solidFill>
+                </a14:hiddenFill>
+              </a:ext>
+            </a:extLst>
+          </p:spPr>
+        </p:pic>
+        <p:sp>
+          <p:nvSpPr>
+            <p:cNvPr id="5" name="Text Placeholder 16">
+              <a:extLst>
+                <a:ext uri="{FF2B5EF4-FFF2-40B4-BE49-F238E27FC236}">
+                  <a16:creationId xmlns:a16="http://schemas.microsoft.com/office/drawing/2014/main" id="{D3F595E9-5822-42E4-B720-2B19D79E3D58}"/>
+                </a:ext>
+              </a:extLst>
+            </p:cNvPr>
+            <p:cNvSpPr txBox="1">
+              <a:spLocks/>
+            </p:cNvSpPr>
+            <p:nvPr/>
+          </p:nvSpPr>
+          <p:spPr>
+            <a:xfrm>
+              <a:off x="29661955" y="16413119"/>
+              <a:ext cx="13050777" cy="1280160"/>
+            </a:xfrm>
+            <a:prstGeom prst="rect">
+              <a:avLst/>
+            </a:prstGeom>
+          </p:spPr>
+          <p:txBody>
+            <a:bodyPr>
+              <a:noAutofit/>
+            </a:bodyPr>
+            <a:lstStyle>
+              <a:lvl1pPr marL="0" indent="0" algn="ctr" defTabSz="4388900" rtl="0" eaLnBrk="1" latinLnBrk="0" hangingPunct="1">
+                <a:spcBef>
+                  <a:spcPct val="20000"/>
+                </a:spcBef>
+                <a:buFontTx/>
+                <a:buNone/>
+                <a:defRPr sz="8800" b="1" kern="1200">
+                  <a:solidFill>
+                    <a:schemeClr val="accent5">
+                      <a:lumMod val="50000"/>
+                    </a:schemeClr>
+                  </a:solidFill>
+                  <a:latin typeface="+mn-lt"/>
+                  <a:ea typeface="+mn-ea"/>
+                  <a:cs typeface="+mn-cs"/>
+                </a:defRPr>
+              </a:lvl1pPr>
+              <a:lvl2pPr marL="3565982" indent="-1371531" algn="l" defTabSz="4388900" rtl="0" eaLnBrk="1" latinLnBrk="0" hangingPunct="1">
+                <a:spcBef>
+                  <a:spcPct val="20000"/>
+                </a:spcBef>
+                <a:buFontTx/>
+                <a:buNone/>
+                <a:defRPr sz="7200" kern="1200">
+                  <a:solidFill>
+                    <a:schemeClr val="tx1"/>
+                  </a:solidFill>
+                  <a:latin typeface="+mn-lt"/>
+                  <a:ea typeface="+mn-ea"/>
+                  <a:cs typeface="+mn-cs"/>
+                </a:defRPr>
+              </a:lvl2pPr>
+              <a:lvl3pPr marL="5486126" indent="-1097226" algn="l" defTabSz="4388900" rtl="0" eaLnBrk="1" latinLnBrk="0" hangingPunct="1">
+                <a:spcBef>
+                  <a:spcPct val="20000"/>
+                </a:spcBef>
+                <a:buFontTx/>
+                <a:buNone/>
+                <a:defRPr sz="7200" kern="1200">
+                  <a:solidFill>
+                    <a:schemeClr val="tx1"/>
+                  </a:solidFill>
+                  <a:latin typeface="+mn-lt"/>
+                  <a:ea typeface="+mn-ea"/>
+                  <a:cs typeface="+mn-cs"/>
+                </a:defRPr>
+              </a:lvl3pPr>
+              <a:lvl4pPr marL="7680577" indent="-1097226" algn="l" defTabSz="4388900" rtl="0" eaLnBrk="1" latinLnBrk="0" hangingPunct="1">
+                <a:spcBef>
+                  <a:spcPct val="20000"/>
+                </a:spcBef>
+                <a:buFontTx/>
+                <a:buNone/>
+                <a:defRPr sz="7200" kern="1200">
+                  <a:solidFill>
+                    <a:schemeClr val="tx1"/>
+                  </a:solidFill>
+                  <a:latin typeface="+mn-lt"/>
+                  <a:ea typeface="+mn-ea"/>
+                  <a:cs typeface="+mn-cs"/>
+                </a:defRPr>
+              </a:lvl4pPr>
+              <a:lvl5pPr marL="9875026" indent="-1097226" algn="l" defTabSz="4388900" rtl="0" eaLnBrk="1" latinLnBrk="0" hangingPunct="1">
+                <a:spcBef>
+                  <a:spcPct val="20000"/>
+                </a:spcBef>
+                <a:buFontTx/>
+                <a:buNone/>
+                <a:defRPr sz="7200" kern="1200">
+                  <a:solidFill>
+                    <a:schemeClr val="tx1"/>
+                  </a:solidFill>
+                  <a:latin typeface="+mn-lt"/>
+                  <a:ea typeface="+mn-ea"/>
+                  <a:cs typeface="+mn-cs"/>
+                </a:defRPr>
+              </a:lvl5pPr>
+              <a:lvl6pPr marL="12069477" indent="-1097226" algn="l" defTabSz="4388900" rtl="0" eaLnBrk="1" latinLnBrk="0" hangingPunct="1">
+                <a:spcBef>
+                  <a:spcPct val="20000"/>
+                </a:spcBef>
+                <a:buFont typeface="Arial" pitchFamily="34" charset="0"/>
+                <a:buChar char="•"/>
+                <a:defRPr sz="9600" kern="1200">
+                  <a:solidFill>
+                    <a:schemeClr val="tx1"/>
+                  </a:solidFill>
+                  <a:latin typeface="+mn-lt"/>
+                  <a:ea typeface="+mn-ea"/>
+                  <a:cs typeface="+mn-cs"/>
+                </a:defRPr>
+              </a:lvl6pPr>
+              <a:lvl7pPr marL="14263926" indent="-1097226" algn="l" defTabSz="4388900" rtl="0" eaLnBrk="1" latinLnBrk="0" hangingPunct="1">
+                <a:spcBef>
+                  <a:spcPct val="20000"/>
+                </a:spcBef>
+                <a:buFont typeface="Arial" pitchFamily="34" charset="0"/>
+                <a:buChar char="•"/>
+                <a:defRPr sz="9600" kern="1200">
+                  <a:solidFill>
+                    <a:schemeClr val="tx1"/>
+                  </a:solidFill>
+                  <a:latin typeface="+mn-lt"/>
+                  <a:ea typeface="+mn-ea"/>
+                  <a:cs typeface="+mn-cs"/>
+                </a:defRPr>
+              </a:lvl7pPr>
+              <a:lvl8pPr marL="16458377" indent="-1097226" algn="l" defTabSz="4388900" rtl="0" eaLnBrk="1" latinLnBrk="0" hangingPunct="1">
+                <a:spcBef>
+                  <a:spcPct val="20000"/>
+                </a:spcBef>
+                <a:buFont typeface="Arial" pitchFamily="34" charset="0"/>
+                <a:buChar char="•"/>
+                <a:defRPr sz="9600" kern="1200">
+                  <a:solidFill>
+                    <a:schemeClr val="tx1"/>
+                  </a:solidFill>
+                  <a:latin typeface="+mn-lt"/>
+                  <a:ea typeface="+mn-ea"/>
+                  <a:cs typeface="+mn-cs"/>
+                </a:defRPr>
+              </a:lvl8pPr>
+              <a:lvl9pPr marL="18652827" indent="-1097226" algn="l" defTabSz="4388900" rtl="0" eaLnBrk="1" latinLnBrk="0" hangingPunct="1">
+                <a:spcBef>
+                  <a:spcPct val="20000"/>
+                </a:spcBef>
+                <a:buFont typeface="Arial" pitchFamily="34" charset="0"/>
+                <a:buChar char="•"/>
+                <a:defRPr sz="9600" kern="1200">
+                  <a:solidFill>
+                    <a:schemeClr val="tx1"/>
+                  </a:solidFill>
+                  <a:latin typeface="+mn-lt"/>
+                  <a:ea typeface="+mn-ea"/>
+                  <a:cs typeface="+mn-cs"/>
+                </a:defRPr>
+              </a:lvl9pPr>
+            </a:lstStyle>
+            <a:p>
+              <a:r>
+                <a:rPr lang="en-US" sz="6000" u="sng" dirty="0">
+                  <a:latin typeface="Times New Roman" panose="02020603050405020304" pitchFamily="18" charset="0"/>
+                  <a:cs typeface="Times New Roman" panose="02020603050405020304" pitchFamily="18" charset="0"/>
+                </a:rPr>
+                <a:t>Threshold Calibration</a:t>
+              </a:r>
+            </a:p>
+          </p:txBody>
+        </p:sp>
+        <p:pic>
+          <p:nvPicPr>
+            <p:cNvPr id="2052" name="Picture 4" descr="data_plot.png">
+              <a:extLst>
+                <a:ext uri="{FF2B5EF4-FFF2-40B4-BE49-F238E27FC236}">
+                  <a16:creationId xmlns:a16="http://schemas.microsoft.com/office/drawing/2014/main" id="{90F5D931-8206-4313-9C6B-6F5D68A5D7B2}"/>
+                </a:ext>
+              </a:extLst>
+            </p:cNvPr>
+            <p:cNvPicPr>
+              <a:picLocks noChangeAspect="1" noChangeArrowheads="1"/>
+            </p:cNvPicPr>
+            <p:nvPr/>
+          </p:nvPicPr>
+          <p:blipFill>
+            <a:blip r:embed="rId5">
+              <a:extLst>
+                <a:ext uri="{28A0092B-C50C-407E-A947-70E740481C1C}">
+                  <a14:useLocalDpi xmlns:a14="http://schemas.microsoft.com/office/drawing/2010/main" val="0"/>
+                </a:ext>
+              </a:extLst>
+            </a:blip>
+            <a:srcRect/>
+            <a:stretch>
+              <a:fillRect/>
+            </a:stretch>
+          </p:blipFill>
+          <p:spPr bwMode="auto">
+            <a:xfrm>
+              <a:off x="28540827" y="17547907"/>
+              <a:ext cx="14615208" cy="7330440"/>
+            </a:xfrm>
+            <a:prstGeom prst="rect">
+              <a:avLst/>
+            </a:prstGeom>
+            <a:noFill/>
+            <a:extLst>
+              <a:ext uri="{909E8E84-426E-40DD-AFC4-6F175D3DCCD1}">
+                <a14:hiddenFill xmlns:a14="http://schemas.microsoft.com/office/drawing/2010/main">
+                  <a:solidFill>
+                    <a:srgbClr val="FFFFFF"/>
+                  </a:solidFill>
+                </a14:hiddenFill>
+              </a:ext>
+            </a:extLst>
+          </p:spPr>
+        </p:pic>
+      </p:grpSp>
+      <p:grpSp>
+        <p:nvGrpSpPr>
+          <p:cNvPr id="2063" name="Group 2062">
+            <a:extLst>
+              <a:ext uri="{FF2B5EF4-FFF2-40B4-BE49-F238E27FC236}">
+                <a16:creationId xmlns:a16="http://schemas.microsoft.com/office/drawing/2014/main" id="{B8DC9ECD-9C5F-40D1-A574-970160DFFD53}"/>
+              </a:ext>
+            </a:extLst>
+          </p:cNvPr>
+          <p:cNvGrpSpPr/>
+          <p:nvPr/>
+        </p:nvGrpSpPr>
+        <p:grpSpPr>
+          <a:xfrm>
+            <a:off x="2140324" y="6894310"/>
+            <a:ext cx="18561745" cy="11492334"/>
+            <a:chOff x="2962276" y="17111707"/>
+            <a:chExt cx="15173324" cy="12034794"/>
+          </a:xfrm>
+        </p:grpSpPr>
+        <p:grpSp>
+          <p:nvGrpSpPr>
+            <p:cNvPr id="2059" name="Group 2058">
+              <a:extLst>
+                <a:ext uri="{FF2B5EF4-FFF2-40B4-BE49-F238E27FC236}">
+                  <a16:creationId xmlns:a16="http://schemas.microsoft.com/office/drawing/2014/main" id="{851AEC10-CE6A-4131-9F2D-41D65688E4FD}"/>
+                </a:ext>
+              </a:extLst>
+            </p:cNvPr>
+            <p:cNvGrpSpPr/>
+            <p:nvPr/>
+          </p:nvGrpSpPr>
+          <p:grpSpPr>
+            <a:xfrm>
+              <a:off x="2962276" y="19101341"/>
+              <a:ext cx="15173324" cy="10045160"/>
+              <a:chOff x="2395088" y="19092446"/>
+              <a:chExt cx="17679299" cy="10197146"/>
+            </a:xfrm>
+          </p:grpSpPr>
+          <p:sp>
+            <p:nvSpPr>
+              <p:cNvPr id="3" name="Rectangle 2">
+                <a:extLst>
+                  <a:ext uri="{FF2B5EF4-FFF2-40B4-BE49-F238E27FC236}">
+                    <a16:creationId xmlns:a16="http://schemas.microsoft.com/office/drawing/2014/main" id="{5FC27113-B886-479E-8531-0485C418B9B1}"/>
+                  </a:ext>
+                </a:extLst>
+              </p:cNvPr>
+              <p:cNvSpPr/>
+              <p:nvPr/>
+            </p:nvSpPr>
+            <p:spPr>
+              <a:xfrm>
+                <a:off x="9185403" y="23197760"/>
+                <a:ext cx="4098667" cy="1993983"/>
+              </a:xfrm>
+              <a:prstGeom prst="rect">
+                <a:avLst/>
+              </a:prstGeom>
+              <a:solidFill>
+                <a:schemeClr val="accent1">
+                  <a:lumMod val="75000"/>
+                </a:schemeClr>
+              </a:solidFill>
+              <a:effectLst>
+                <a:glow>
+                  <a:schemeClr val="accent1">
+                    <a:alpha val="40000"/>
+                  </a:schemeClr>
+                </a:glow>
+                <a:outerShdw blurRad="50800" dist="50800" dir="5400000" sx="1000" sy="1000" algn="ctr" rotWithShape="0">
+                  <a:srgbClr val="000000">
+                    <a:alpha val="43137"/>
+                  </a:srgbClr>
+                </a:outerShdw>
+                <a:softEdge rad="0"/>
+              </a:effectLst>
+            </p:spPr>
+            <p:style>
+              <a:lnRef idx="2">
+                <a:schemeClr val="accent1">
+                  <a:shade val="50000"/>
+                </a:schemeClr>
+              </a:lnRef>
+              <a:fillRef idx="1">
+                <a:schemeClr val="accent1"/>
+              </a:fillRef>
+              <a:effectRef idx="0">
+                <a:schemeClr val="accent1"/>
+              </a:effectRef>
+              <a:fontRef idx="minor">
+                <a:schemeClr val="lt1"/>
+              </a:fontRef>
+            </p:style>
+            <p:txBody>
+              <a:bodyPr rtlCol="0" anchor="ctr"/>
+              <a:lstStyle/>
+              <a:p>
+                <a:pPr algn="ctr"/>
+                <a:r>
+                  <a:rPr lang="en-US" sz="4000" b="1" dirty="0"/>
+                  <a:t>Send Alarm</a:t>
+                </a:r>
+              </a:p>
+            </p:txBody>
+          </p:sp>
+          <p:sp>
+            <p:nvSpPr>
+              <p:cNvPr id="10" name="Rectangle 9">
+                <a:extLst>
+                  <a:ext uri="{FF2B5EF4-FFF2-40B4-BE49-F238E27FC236}">
+                    <a16:creationId xmlns:a16="http://schemas.microsoft.com/office/drawing/2014/main" id="{38A4AA13-DC18-4DAA-B5A6-2EC313C1D312}"/>
+                  </a:ext>
+                </a:extLst>
+              </p:cNvPr>
+              <p:cNvSpPr/>
+              <p:nvPr/>
+            </p:nvSpPr>
+            <p:spPr>
+              <a:xfrm>
+                <a:off x="9185401" y="27295609"/>
+                <a:ext cx="4098669" cy="1993983"/>
+              </a:xfrm>
+              <a:prstGeom prst="rect">
+                <a:avLst/>
+              </a:prstGeom>
+              <a:solidFill>
+                <a:schemeClr val="accent1">
+                  <a:lumMod val="75000"/>
+                </a:schemeClr>
+              </a:solidFill>
+              <a:effectLst>
+                <a:glow>
+                  <a:schemeClr val="accent1">
+                    <a:alpha val="40000"/>
+                  </a:schemeClr>
+                </a:glow>
+                <a:outerShdw blurRad="50800" dist="50800" dir="5400000" sx="1000" sy="1000" algn="ctr" rotWithShape="0">
+                  <a:srgbClr val="000000">
+                    <a:alpha val="43137"/>
+                  </a:srgbClr>
+                </a:outerShdw>
+                <a:softEdge rad="0"/>
+              </a:effectLst>
+            </p:spPr>
+            <p:style>
+              <a:lnRef idx="2">
+                <a:schemeClr val="accent1">
+                  <a:shade val="50000"/>
+                </a:schemeClr>
+              </a:lnRef>
+              <a:fillRef idx="1">
+                <a:schemeClr val="accent1"/>
+              </a:fillRef>
+              <a:effectRef idx="0">
+                <a:schemeClr val="accent1"/>
+              </a:effectRef>
+              <a:fontRef idx="minor">
+                <a:schemeClr val="lt1"/>
+              </a:fontRef>
+            </p:style>
+            <p:txBody>
+              <a:bodyPr rtlCol="0" anchor="ctr"/>
+              <a:lstStyle/>
+              <a:p>
+                <a:pPr algn="ctr"/>
+                <a:r>
+                  <a:rPr lang="en-US" sz="4000" b="1" dirty="0"/>
+                  <a:t>Wait for Reset</a:t>
+                </a:r>
+              </a:p>
+            </p:txBody>
+          </p:sp>
+          <p:sp>
+            <p:nvSpPr>
+              <p:cNvPr id="11" name="Rectangle 10">
+                <a:extLst>
+                  <a:ext uri="{FF2B5EF4-FFF2-40B4-BE49-F238E27FC236}">
+                    <a16:creationId xmlns:a16="http://schemas.microsoft.com/office/drawing/2014/main" id="{8AA09624-0CBB-4D4B-8B08-8C7C784D8136}"/>
+                  </a:ext>
+                </a:extLst>
+              </p:cNvPr>
+              <p:cNvSpPr/>
+              <p:nvPr/>
+            </p:nvSpPr>
+            <p:spPr>
+              <a:xfrm>
+                <a:off x="2395089" y="27295610"/>
+                <a:ext cx="4098668" cy="1993982"/>
+              </a:xfrm>
+              <a:prstGeom prst="rect">
+                <a:avLst/>
+              </a:prstGeom>
+              <a:solidFill>
+                <a:schemeClr val="accent1">
+                  <a:lumMod val="75000"/>
+                </a:schemeClr>
+              </a:solidFill>
+              <a:effectLst>
+                <a:glow>
+                  <a:schemeClr val="accent1">
+                    <a:alpha val="40000"/>
+                  </a:schemeClr>
+                </a:glow>
+                <a:outerShdw blurRad="50800" dist="50800" dir="5400000" sx="1000" sy="1000" algn="ctr" rotWithShape="0">
+                  <a:srgbClr val="000000">
+                    <a:alpha val="43137"/>
+                  </a:srgbClr>
+                </a:outerShdw>
+                <a:softEdge rad="0"/>
+              </a:effectLst>
+            </p:spPr>
+            <p:style>
+              <a:lnRef idx="2">
+                <a:schemeClr val="accent1">
+                  <a:shade val="50000"/>
+                </a:schemeClr>
+              </a:lnRef>
+              <a:fillRef idx="1">
+                <a:schemeClr val="accent1"/>
+              </a:fillRef>
+              <a:effectRef idx="0">
+                <a:schemeClr val="accent1"/>
+              </a:effectRef>
+              <a:fontRef idx="minor">
+                <a:schemeClr val="lt1"/>
+              </a:fontRef>
+            </p:style>
+            <p:txBody>
+              <a:bodyPr rtlCol="0" anchor="ctr"/>
+              <a:lstStyle/>
+              <a:p>
+                <a:pPr algn="ctr"/>
+                <a:r>
+                  <a:rPr lang="en-US" sz="4000" b="1" dirty="0"/>
+                  <a:t>Wait 15 s</a:t>
+                </a:r>
+              </a:p>
+            </p:txBody>
+          </p:sp>
+          <p:sp>
+            <p:nvSpPr>
+              <p:cNvPr id="14" name="Rectangle 13">
+                <a:extLst>
+                  <a:ext uri="{FF2B5EF4-FFF2-40B4-BE49-F238E27FC236}">
+                    <a16:creationId xmlns:a16="http://schemas.microsoft.com/office/drawing/2014/main" id="{ACC0CA4B-D343-4A2D-AF37-2CAF22640090}"/>
+                  </a:ext>
+                </a:extLst>
+              </p:cNvPr>
+              <p:cNvSpPr/>
+              <p:nvPr/>
+            </p:nvSpPr>
+            <p:spPr>
+              <a:xfrm>
+                <a:off x="9185403" y="19099911"/>
+                <a:ext cx="4098669" cy="1993983"/>
+              </a:xfrm>
+              <a:prstGeom prst="rect">
+                <a:avLst/>
+              </a:prstGeom>
+              <a:solidFill>
+                <a:schemeClr val="accent1">
+                  <a:lumMod val="75000"/>
+                </a:schemeClr>
+              </a:solidFill>
+              <a:effectLst>
+                <a:glow>
+                  <a:schemeClr val="accent1">
+                    <a:alpha val="40000"/>
+                  </a:schemeClr>
+                </a:glow>
+                <a:outerShdw blurRad="50800" dist="50800" dir="5400000" sx="1000" sy="1000" algn="ctr" rotWithShape="0">
+                  <a:srgbClr val="000000">
+                    <a:alpha val="43137"/>
+                  </a:srgbClr>
+                </a:outerShdw>
+                <a:softEdge rad="0"/>
+              </a:effectLst>
+            </p:spPr>
+            <p:style>
+              <a:lnRef idx="2">
+                <a:schemeClr val="accent1">
+                  <a:shade val="50000"/>
+                </a:schemeClr>
+              </a:lnRef>
+              <a:fillRef idx="1">
+                <a:schemeClr val="accent1"/>
+              </a:fillRef>
+              <a:effectRef idx="0">
+                <a:schemeClr val="accent1"/>
+              </a:effectRef>
+              <a:fontRef idx="minor">
+                <a:schemeClr val="lt1"/>
+              </a:fontRef>
+            </p:style>
+            <p:txBody>
+              <a:bodyPr rtlCol="0" anchor="ctr"/>
+              <a:lstStyle/>
+              <a:p>
+                <a:pPr algn="ctr"/>
+                <a:r>
+                  <a:rPr lang="en-US" sz="4000" b="1" dirty="0"/>
+                  <a:t>Compare Sensor Data to Threshold</a:t>
+                </a:r>
+              </a:p>
+            </p:txBody>
+          </p:sp>
+          <p:sp>
+            <p:nvSpPr>
+              <p:cNvPr id="16" name="Rectangle 15">
+                <a:extLst>
+                  <a:ext uri="{FF2B5EF4-FFF2-40B4-BE49-F238E27FC236}">
+                    <a16:creationId xmlns:a16="http://schemas.microsoft.com/office/drawing/2014/main" id="{732E810E-D3A6-4BF8-A216-7A401DD34642}"/>
+                  </a:ext>
+                </a:extLst>
+              </p:cNvPr>
+              <p:cNvSpPr/>
+              <p:nvPr/>
+            </p:nvSpPr>
+            <p:spPr>
+              <a:xfrm>
+                <a:off x="2395088" y="19099910"/>
+                <a:ext cx="4098669" cy="1993983"/>
+              </a:xfrm>
+              <a:prstGeom prst="rect">
+                <a:avLst/>
+              </a:prstGeom>
+              <a:solidFill>
+                <a:schemeClr val="accent1">
+                  <a:lumMod val="75000"/>
+                </a:schemeClr>
+              </a:solidFill>
+              <a:effectLst>
+                <a:glow>
+                  <a:schemeClr val="accent1">
+                    <a:alpha val="40000"/>
+                  </a:schemeClr>
+                </a:glow>
+                <a:outerShdw blurRad="50800" dist="50800" dir="5400000" sx="1000" sy="1000" algn="ctr" rotWithShape="0">
+                  <a:srgbClr val="000000">
+                    <a:alpha val="43137"/>
+                  </a:srgbClr>
+                </a:outerShdw>
+                <a:softEdge rad="0"/>
+              </a:effectLst>
+            </p:spPr>
+            <p:style>
+              <a:lnRef idx="2">
+                <a:schemeClr val="accent1">
+                  <a:shade val="50000"/>
+                </a:schemeClr>
+              </a:lnRef>
+              <a:fillRef idx="1">
+                <a:schemeClr val="accent1"/>
+              </a:fillRef>
+              <a:effectRef idx="0">
+                <a:schemeClr val="accent1"/>
+              </a:effectRef>
+              <a:fontRef idx="minor">
+                <a:schemeClr val="lt1"/>
+              </a:fontRef>
+            </p:style>
+            <p:txBody>
+              <a:bodyPr rtlCol="0" anchor="ctr"/>
+              <a:lstStyle/>
+              <a:p>
+                <a:pPr algn="ctr"/>
+                <a:r>
+                  <a:rPr lang="en-US" sz="4000" b="1" dirty="0"/>
+                  <a:t>Initialize Data Comparison Value</a:t>
+                </a:r>
+              </a:p>
+            </p:txBody>
+          </p:sp>
+          <p:cxnSp>
+            <p:nvCxnSpPr>
+              <p:cNvPr id="13" name="Straight Arrow Connector 12">
+                <a:extLst>
+                  <a:ext uri="{FF2B5EF4-FFF2-40B4-BE49-F238E27FC236}">
+                    <a16:creationId xmlns:a16="http://schemas.microsoft.com/office/drawing/2014/main" id="{4AE3848F-7480-4198-915C-C7D7C136CB70}"/>
+                  </a:ext>
+                </a:extLst>
+              </p:cNvPr>
+              <p:cNvCxnSpPr>
+                <a:cxnSpLocks/>
+              </p:cNvCxnSpPr>
+              <p:nvPr/>
+            </p:nvCxnSpPr>
+            <p:spPr>
+              <a:xfrm>
+                <a:off x="6604000" y="20096903"/>
+                <a:ext cx="2492375" cy="0"/>
+              </a:xfrm>
+              <a:prstGeom prst="straightConnector1">
+                <a:avLst/>
+              </a:prstGeom>
+              <a:ln w="184150">
+                <a:tailEnd type="triangle"/>
+              </a:ln>
+              <a:effectLst>
+                <a:glow>
+                  <a:schemeClr val="accent1">
+                    <a:alpha val="40000"/>
+                  </a:schemeClr>
+                </a:glow>
+                <a:outerShdw blurRad="50800" dist="50800" dir="5400000" sx="1000" sy="1000" algn="ctr" rotWithShape="0">
+                  <a:srgbClr val="000000">
+                    <a:alpha val="43137"/>
+                  </a:srgbClr>
+                </a:outerShdw>
+                <a:softEdge rad="0"/>
+              </a:effectLst>
+            </p:spPr>
+            <p:style>
+              <a:lnRef idx="1">
+                <a:schemeClr val="accent1"/>
+              </a:lnRef>
+              <a:fillRef idx="0">
+                <a:schemeClr val="accent1"/>
+              </a:fillRef>
+              <a:effectRef idx="0">
+                <a:schemeClr val="accent1"/>
+              </a:effectRef>
+              <a:fontRef idx="minor">
+                <a:schemeClr val="tx1"/>
+              </a:fontRef>
+            </p:style>
+          </p:cxnSp>
+          <p:cxnSp>
+            <p:nvCxnSpPr>
+              <p:cNvPr id="27" name="Straight Arrow Connector 26">
+                <a:extLst>
+                  <a:ext uri="{FF2B5EF4-FFF2-40B4-BE49-F238E27FC236}">
+                    <a16:creationId xmlns:a16="http://schemas.microsoft.com/office/drawing/2014/main" id="{4830235C-892A-4A90-904D-F64907F47037}"/>
+                  </a:ext>
+                </a:extLst>
+              </p:cNvPr>
+              <p:cNvCxnSpPr>
+                <a:cxnSpLocks/>
+              </p:cNvCxnSpPr>
+              <p:nvPr/>
+            </p:nvCxnSpPr>
+            <p:spPr>
+              <a:xfrm flipH="1">
+                <a:off x="11236069" y="21203054"/>
+                <a:ext cx="1334" cy="1875473"/>
+              </a:xfrm>
+              <a:prstGeom prst="straightConnector1">
+                <a:avLst/>
+              </a:prstGeom>
+              <a:ln w="184150">
+                <a:tailEnd type="triangle"/>
+              </a:ln>
+              <a:effectLst>
+                <a:glow>
+                  <a:schemeClr val="accent1">
+                    <a:alpha val="40000"/>
+                  </a:schemeClr>
+                </a:glow>
+                <a:outerShdw blurRad="50800" dist="50800" dir="5400000" sx="1000" sy="1000" algn="ctr" rotWithShape="0">
+                  <a:srgbClr val="000000">
+                    <a:alpha val="43137"/>
+                  </a:srgbClr>
+                </a:outerShdw>
+                <a:softEdge rad="0"/>
+              </a:effectLst>
+            </p:spPr>
+            <p:style>
+              <a:lnRef idx="1">
+                <a:schemeClr val="accent1"/>
+              </a:lnRef>
+              <a:fillRef idx="0">
+                <a:schemeClr val="accent1"/>
+              </a:fillRef>
+              <a:effectRef idx="0">
+                <a:schemeClr val="accent1"/>
+              </a:effectRef>
+              <a:fontRef idx="minor">
+                <a:schemeClr val="tx1"/>
+              </a:fontRef>
+            </p:style>
+          </p:cxnSp>
+          <p:cxnSp>
+            <p:nvCxnSpPr>
+              <p:cNvPr id="31" name="Straight Arrow Connector 30">
+                <a:extLst>
+                  <a:ext uri="{FF2B5EF4-FFF2-40B4-BE49-F238E27FC236}">
+                    <a16:creationId xmlns:a16="http://schemas.microsoft.com/office/drawing/2014/main" id="{2B85C196-74F8-425B-B2D5-9CCD3646469F}"/>
+                  </a:ext>
+                </a:extLst>
+              </p:cNvPr>
+              <p:cNvCxnSpPr>
+                <a:cxnSpLocks/>
+              </p:cNvCxnSpPr>
+              <p:nvPr/>
+            </p:nvCxnSpPr>
+            <p:spPr>
+              <a:xfrm flipH="1">
+                <a:off x="11234735" y="25300903"/>
+                <a:ext cx="1334" cy="1875473"/>
+              </a:xfrm>
+              <a:prstGeom prst="straightConnector1">
+                <a:avLst/>
+              </a:prstGeom>
+              <a:ln w="184150">
+                <a:tailEnd type="triangle"/>
+              </a:ln>
+              <a:effectLst>
+                <a:glow>
+                  <a:schemeClr val="accent1">
+                    <a:alpha val="40000"/>
+                  </a:schemeClr>
+                </a:glow>
+                <a:outerShdw blurRad="50800" dist="50800" dir="5400000" sx="1000" sy="1000" algn="ctr" rotWithShape="0">
+                  <a:srgbClr val="000000">
+                    <a:alpha val="43137"/>
+                  </a:srgbClr>
+                </a:outerShdw>
+                <a:softEdge rad="0"/>
+              </a:effectLst>
+            </p:spPr>
+            <p:style>
+              <a:lnRef idx="1">
+                <a:schemeClr val="accent1"/>
+              </a:lnRef>
+              <a:fillRef idx="0">
+                <a:schemeClr val="accent1"/>
+              </a:fillRef>
+              <a:effectRef idx="0">
+                <a:schemeClr val="accent1"/>
+              </a:effectRef>
+              <a:fontRef idx="minor">
+                <a:schemeClr val="tx1"/>
+              </a:fontRef>
+            </p:style>
+          </p:cxnSp>
+          <p:cxnSp>
+            <p:nvCxnSpPr>
+              <p:cNvPr id="33" name="Straight Arrow Connector 32">
+                <a:extLst>
+                  <a:ext uri="{FF2B5EF4-FFF2-40B4-BE49-F238E27FC236}">
+                    <a16:creationId xmlns:a16="http://schemas.microsoft.com/office/drawing/2014/main" id="{FCCEAA0E-023E-4813-A4FD-1A1132ACCD4B}"/>
+                  </a:ext>
+                </a:extLst>
+              </p:cNvPr>
+              <p:cNvCxnSpPr>
+                <a:cxnSpLocks/>
+              </p:cNvCxnSpPr>
+              <p:nvPr/>
+            </p:nvCxnSpPr>
+            <p:spPr>
+              <a:xfrm flipH="1">
+                <a:off x="6604000" y="28292600"/>
+                <a:ext cx="2369912" cy="0"/>
+              </a:xfrm>
+              <a:prstGeom prst="straightConnector1">
+                <a:avLst/>
+              </a:prstGeom>
+              <a:ln w="184150">
+                <a:tailEnd type="triangle"/>
+              </a:ln>
+              <a:effectLst>
+                <a:glow>
+                  <a:schemeClr val="accent1">
+                    <a:alpha val="40000"/>
+                  </a:schemeClr>
+                </a:glow>
+                <a:outerShdw blurRad="50800" dist="50800" dir="5400000" sx="1000" sy="1000" algn="ctr" rotWithShape="0">
+                  <a:srgbClr val="000000">
+                    <a:alpha val="43137"/>
+                  </a:srgbClr>
+                </a:outerShdw>
+                <a:softEdge rad="0"/>
+              </a:effectLst>
+            </p:spPr>
+            <p:style>
+              <a:lnRef idx="1">
+                <a:schemeClr val="accent1"/>
+              </a:lnRef>
+              <a:fillRef idx="0">
+                <a:schemeClr val="accent1"/>
+              </a:fillRef>
+              <a:effectRef idx="0">
+                <a:schemeClr val="accent1"/>
+              </a:effectRef>
+              <a:fontRef idx="minor">
+                <a:schemeClr val="tx1"/>
+              </a:fontRef>
+            </p:style>
+          </p:cxnSp>
+          <p:sp>
+            <p:nvSpPr>
+              <p:cNvPr id="40" name="Rectangle 39">
+                <a:extLst>
+                  <a:ext uri="{FF2B5EF4-FFF2-40B4-BE49-F238E27FC236}">
+                    <a16:creationId xmlns:a16="http://schemas.microsoft.com/office/drawing/2014/main" id="{89A60A5A-C6A6-4218-B743-F010B03BEE6B}"/>
+                  </a:ext>
+                </a:extLst>
+              </p:cNvPr>
+              <p:cNvSpPr/>
+              <p:nvPr/>
+            </p:nvSpPr>
+            <p:spPr>
+              <a:xfrm>
+                <a:off x="15975718" y="19092446"/>
+                <a:ext cx="4098669" cy="1993983"/>
+              </a:xfrm>
+              <a:prstGeom prst="rect">
+                <a:avLst/>
+              </a:prstGeom>
+              <a:solidFill>
+                <a:schemeClr val="accent1">
+                  <a:lumMod val="75000"/>
+                </a:schemeClr>
+              </a:solidFill>
+              <a:effectLst>
+                <a:glow>
+                  <a:schemeClr val="accent1">
+                    <a:alpha val="40000"/>
+                  </a:schemeClr>
+                </a:glow>
+                <a:outerShdw blurRad="50800" dist="50800" dir="5400000" sx="1000" sy="1000" algn="ctr" rotWithShape="0">
+                  <a:srgbClr val="000000">
+                    <a:alpha val="43137"/>
+                  </a:srgbClr>
+                </a:outerShdw>
+                <a:softEdge rad="0"/>
+              </a:effectLst>
+            </p:spPr>
+            <p:style>
+              <a:lnRef idx="2">
+                <a:schemeClr val="accent1">
+                  <a:shade val="50000"/>
+                </a:schemeClr>
+              </a:lnRef>
+              <a:fillRef idx="1">
+                <a:schemeClr val="accent1"/>
+              </a:fillRef>
+              <a:effectRef idx="0">
+                <a:schemeClr val="accent1"/>
+              </a:effectRef>
+              <a:fontRef idx="minor">
+                <a:schemeClr val="lt1"/>
+              </a:fontRef>
+            </p:style>
+            <p:txBody>
+              <a:bodyPr rtlCol="0" anchor="ctr"/>
+              <a:lstStyle/>
+              <a:p>
+                <a:pPr algn="ctr"/>
+                <a:r>
+                  <a:rPr lang="en-US" sz="4000" b="1" dirty="0"/>
+                  <a:t>Update Comparison Value</a:t>
+                </a:r>
+              </a:p>
+            </p:txBody>
+          </p:sp>
+          <p:cxnSp>
+            <p:nvCxnSpPr>
+              <p:cNvPr id="41" name="Straight Arrow Connector 40">
+                <a:extLst>
+                  <a:ext uri="{FF2B5EF4-FFF2-40B4-BE49-F238E27FC236}">
+                    <a16:creationId xmlns:a16="http://schemas.microsoft.com/office/drawing/2014/main" id="{BCAD3E35-4B1B-4DA3-832A-F11BFDFBB6CB}"/>
+                  </a:ext>
+                </a:extLst>
+              </p:cNvPr>
+              <p:cNvCxnSpPr>
+                <a:cxnSpLocks/>
+              </p:cNvCxnSpPr>
+              <p:nvPr/>
+            </p:nvCxnSpPr>
+            <p:spPr>
+              <a:xfrm flipV="1">
+                <a:off x="4444422" y="21213127"/>
+                <a:ext cx="0" cy="5963249"/>
+              </a:xfrm>
+              <a:prstGeom prst="straightConnector1">
+                <a:avLst/>
+              </a:prstGeom>
+              <a:ln w="184150">
+                <a:tailEnd type="triangle"/>
+              </a:ln>
+              <a:effectLst>
+                <a:glow>
+                  <a:schemeClr val="accent1">
+                    <a:alpha val="40000"/>
+                  </a:schemeClr>
+                </a:glow>
+                <a:outerShdw blurRad="50800" dist="50800" dir="5400000" sx="1000" sy="1000" algn="ctr" rotWithShape="0">
+                  <a:srgbClr val="000000">
+                    <a:alpha val="43137"/>
+                  </a:srgbClr>
+                </a:outerShdw>
+                <a:softEdge rad="0"/>
+              </a:effectLst>
+            </p:spPr>
+            <p:style>
+              <a:lnRef idx="1">
+                <a:schemeClr val="accent1"/>
+              </a:lnRef>
+              <a:fillRef idx="0">
+                <a:schemeClr val="accent1"/>
+              </a:fillRef>
+              <a:effectRef idx="0">
+                <a:schemeClr val="accent1"/>
+              </a:effectRef>
+              <a:fontRef idx="minor">
+                <a:schemeClr val="tx1"/>
+              </a:fontRef>
+            </p:style>
+          </p:cxnSp>
+          <p:cxnSp>
+            <p:nvCxnSpPr>
+              <p:cNvPr id="44" name="Straight Arrow Connector 43">
+                <a:extLst>
+                  <a:ext uri="{FF2B5EF4-FFF2-40B4-BE49-F238E27FC236}">
+                    <a16:creationId xmlns:a16="http://schemas.microsoft.com/office/drawing/2014/main" id="{CC172DE9-83E4-4382-8544-422D83D39AB1}"/>
+                  </a:ext>
+                </a:extLst>
+              </p:cNvPr>
+              <p:cNvCxnSpPr>
+                <a:cxnSpLocks/>
+              </p:cNvCxnSpPr>
+              <p:nvPr/>
+            </p:nvCxnSpPr>
+            <p:spPr>
+              <a:xfrm>
+                <a:off x="13394443" y="19341211"/>
+                <a:ext cx="2492375" cy="0"/>
+              </a:xfrm>
+              <a:prstGeom prst="straightConnector1">
+                <a:avLst/>
+              </a:prstGeom>
+              <a:ln w="184150">
+                <a:tailEnd type="triangle"/>
+              </a:ln>
+              <a:effectLst>
+                <a:glow>
+                  <a:schemeClr val="accent1">
+                    <a:alpha val="40000"/>
+                  </a:schemeClr>
+                </a:glow>
+                <a:outerShdw blurRad="50800" dist="50800" dir="5400000" sx="1000" sy="1000" algn="ctr" rotWithShape="0">
+                  <a:srgbClr val="000000">
+                    <a:alpha val="43137"/>
+                  </a:srgbClr>
+                </a:outerShdw>
+                <a:softEdge rad="0"/>
+              </a:effectLst>
+            </p:spPr>
+            <p:style>
+              <a:lnRef idx="1">
+                <a:schemeClr val="accent1"/>
+              </a:lnRef>
+              <a:fillRef idx="0">
+                <a:schemeClr val="accent1"/>
+              </a:fillRef>
+              <a:effectRef idx="0">
+                <a:schemeClr val="accent1"/>
+              </a:effectRef>
+              <a:fontRef idx="minor">
+                <a:schemeClr val="tx1"/>
+              </a:fontRef>
+            </p:style>
+          </p:cxnSp>
+          <p:cxnSp>
+            <p:nvCxnSpPr>
+              <p:cNvPr id="45" name="Straight Arrow Connector 44">
+                <a:extLst>
+                  <a:ext uri="{FF2B5EF4-FFF2-40B4-BE49-F238E27FC236}">
+                    <a16:creationId xmlns:a16="http://schemas.microsoft.com/office/drawing/2014/main" id="{32BC3BE4-6808-4D9C-9E6F-9D3EB0498E78}"/>
+                  </a:ext>
+                </a:extLst>
+              </p:cNvPr>
+              <p:cNvCxnSpPr>
+                <a:cxnSpLocks/>
+              </p:cNvCxnSpPr>
+              <p:nvPr/>
+            </p:nvCxnSpPr>
+            <p:spPr>
+              <a:xfrm flipH="1">
+                <a:off x="13394443" y="20781629"/>
+                <a:ext cx="2460626" cy="0"/>
+              </a:xfrm>
+              <a:prstGeom prst="straightConnector1">
+                <a:avLst/>
+              </a:prstGeom>
+              <a:ln w="184150">
+                <a:tailEnd type="triangle"/>
+              </a:ln>
+              <a:effectLst>
+                <a:glow>
+                  <a:schemeClr val="accent1">
+                    <a:alpha val="40000"/>
+                  </a:schemeClr>
+                </a:glow>
+                <a:outerShdw blurRad="50800" dist="50800" dir="5400000" sx="1000" sy="1000" algn="ctr" rotWithShape="0">
+                  <a:srgbClr val="000000">
+                    <a:alpha val="43137"/>
+                  </a:srgbClr>
+                </a:outerShdw>
+                <a:softEdge rad="0"/>
+              </a:effectLst>
+            </p:spPr>
+            <p:style>
+              <a:lnRef idx="1">
+                <a:schemeClr val="accent1"/>
+              </a:lnRef>
+              <a:fillRef idx="0">
+                <a:schemeClr val="accent1"/>
+              </a:fillRef>
+              <a:effectRef idx="0">
+                <a:schemeClr val="accent1"/>
+              </a:effectRef>
+              <a:fontRef idx="minor">
+                <a:schemeClr val="tx1"/>
+              </a:fontRef>
+            </p:style>
+          </p:cxnSp>
+        </p:grpSp>
+        <p:sp>
+          <p:nvSpPr>
+            <p:cNvPr id="54" name="Text Placeholder 16">
+              <a:extLst>
+                <a:ext uri="{FF2B5EF4-FFF2-40B4-BE49-F238E27FC236}">
+                  <a16:creationId xmlns:a16="http://schemas.microsoft.com/office/drawing/2014/main" id="{94B299E6-5EDD-4292-96C6-54573E34D5E1}"/>
+                </a:ext>
+              </a:extLst>
+            </p:cNvPr>
+            <p:cNvSpPr txBox="1">
+              <a:spLocks/>
+            </p:cNvSpPr>
+            <p:nvPr/>
+          </p:nvSpPr>
+          <p:spPr>
+            <a:xfrm>
+              <a:off x="4023547" y="17111707"/>
+              <a:ext cx="13050777" cy="1280160"/>
+            </a:xfrm>
+            <a:prstGeom prst="rect">
+              <a:avLst/>
+            </a:prstGeom>
+          </p:spPr>
+          <p:txBody>
+            <a:bodyPr>
+              <a:noAutofit/>
+            </a:bodyPr>
+            <a:lstStyle>
+              <a:lvl1pPr marL="0" indent="0" algn="ctr" defTabSz="4388900" rtl="0" eaLnBrk="1" latinLnBrk="0" hangingPunct="1">
+                <a:spcBef>
+                  <a:spcPct val="20000"/>
+                </a:spcBef>
+                <a:buFontTx/>
+                <a:buNone/>
+                <a:defRPr sz="8800" b="1" kern="1200">
+                  <a:solidFill>
+                    <a:schemeClr val="accent5">
+                      <a:lumMod val="50000"/>
+                    </a:schemeClr>
+                  </a:solidFill>
+                  <a:latin typeface="+mn-lt"/>
+                  <a:ea typeface="+mn-ea"/>
+                  <a:cs typeface="+mn-cs"/>
+                </a:defRPr>
+              </a:lvl1pPr>
+              <a:lvl2pPr marL="3565982" indent="-1371531" algn="l" defTabSz="4388900" rtl="0" eaLnBrk="1" latinLnBrk="0" hangingPunct="1">
+                <a:spcBef>
+                  <a:spcPct val="20000"/>
+                </a:spcBef>
+                <a:buFontTx/>
+                <a:buNone/>
+                <a:defRPr sz="7200" kern="1200">
+                  <a:solidFill>
+                    <a:schemeClr val="tx1"/>
+                  </a:solidFill>
+                  <a:latin typeface="+mn-lt"/>
+                  <a:ea typeface="+mn-ea"/>
+                  <a:cs typeface="+mn-cs"/>
+                </a:defRPr>
+              </a:lvl2pPr>
+              <a:lvl3pPr marL="5486126" indent="-1097226" algn="l" defTabSz="4388900" rtl="0" eaLnBrk="1" latinLnBrk="0" hangingPunct="1">
+                <a:spcBef>
+                  <a:spcPct val="20000"/>
+                </a:spcBef>
+                <a:buFontTx/>
+                <a:buNone/>
+                <a:defRPr sz="7200" kern="1200">
+                  <a:solidFill>
+                    <a:schemeClr val="tx1"/>
+                  </a:solidFill>
+                  <a:latin typeface="+mn-lt"/>
+                  <a:ea typeface="+mn-ea"/>
+                  <a:cs typeface="+mn-cs"/>
+                </a:defRPr>
+              </a:lvl3pPr>
+              <a:lvl4pPr marL="7680577" indent="-1097226" algn="l" defTabSz="4388900" rtl="0" eaLnBrk="1" latinLnBrk="0" hangingPunct="1">
+                <a:spcBef>
+                  <a:spcPct val="20000"/>
+                </a:spcBef>
+                <a:buFontTx/>
+                <a:buNone/>
+                <a:defRPr sz="7200" kern="1200">
+                  <a:solidFill>
+                    <a:schemeClr val="tx1"/>
+                  </a:solidFill>
+                  <a:latin typeface="+mn-lt"/>
+                  <a:ea typeface="+mn-ea"/>
+                  <a:cs typeface="+mn-cs"/>
+                </a:defRPr>
+              </a:lvl4pPr>
+              <a:lvl5pPr marL="9875026" indent="-1097226" algn="l" defTabSz="4388900" rtl="0" eaLnBrk="1" latinLnBrk="0" hangingPunct="1">
+                <a:spcBef>
+                  <a:spcPct val="20000"/>
+                </a:spcBef>
+                <a:buFontTx/>
+                <a:buNone/>
+                <a:defRPr sz="7200" kern="1200">
+                  <a:solidFill>
+                    <a:schemeClr val="tx1"/>
+                  </a:solidFill>
+                  <a:latin typeface="+mn-lt"/>
+                  <a:ea typeface="+mn-ea"/>
+                  <a:cs typeface="+mn-cs"/>
+                </a:defRPr>
+              </a:lvl5pPr>
+              <a:lvl6pPr marL="12069477" indent="-1097226" algn="l" defTabSz="4388900" rtl="0" eaLnBrk="1" latinLnBrk="0" hangingPunct="1">
+                <a:spcBef>
+                  <a:spcPct val="20000"/>
+                </a:spcBef>
+                <a:buFont typeface="Arial" pitchFamily="34" charset="0"/>
+                <a:buChar char="•"/>
+                <a:defRPr sz="9600" kern="1200">
+                  <a:solidFill>
+                    <a:schemeClr val="tx1"/>
+                  </a:solidFill>
+                  <a:latin typeface="+mn-lt"/>
+                  <a:ea typeface="+mn-ea"/>
+                  <a:cs typeface="+mn-cs"/>
+                </a:defRPr>
+              </a:lvl6pPr>
+              <a:lvl7pPr marL="14263926" indent="-1097226" algn="l" defTabSz="4388900" rtl="0" eaLnBrk="1" latinLnBrk="0" hangingPunct="1">
+                <a:spcBef>
+                  <a:spcPct val="20000"/>
+                </a:spcBef>
+                <a:buFont typeface="Arial" pitchFamily="34" charset="0"/>
+                <a:buChar char="•"/>
+                <a:defRPr sz="9600" kern="1200">
+                  <a:solidFill>
+                    <a:schemeClr val="tx1"/>
+                  </a:solidFill>
+                  <a:latin typeface="+mn-lt"/>
+                  <a:ea typeface="+mn-ea"/>
+                  <a:cs typeface="+mn-cs"/>
+                </a:defRPr>
+              </a:lvl7pPr>
+              <a:lvl8pPr marL="16458377" indent="-1097226" algn="l" defTabSz="4388900" rtl="0" eaLnBrk="1" latinLnBrk="0" hangingPunct="1">
+                <a:spcBef>
+                  <a:spcPct val="20000"/>
+                </a:spcBef>
+                <a:buFont typeface="Arial" pitchFamily="34" charset="0"/>
+                <a:buChar char="•"/>
+                <a:defRPr sz="9600" kern="1200">
+                  <a:solidFill>
+                    <a:schemeClr val="tx1"/>
+                  </a:solidFill>
+                  <a:latin typeface="+mn-lt"/>
+                  <a:ea typeface="+mn-ea"/>
+                  <a:cs typeface="+mn-cs"/>
+                </a:defRPr>
+              </a:lvl8pPr>
+              <a:lvl9pPr marL="18652827" indent="-1097226" algn="l" defTabSz="4388900" rtl="0" eaLnBrk="1" latinLnBrk="0" hangingPunct="1">
+                <a:spcBef>
+                  <a:spcPct val="20000"/>
+                </a:spcBef>
+                <a:buFont typeface="Arial" pitchFamily="34" charset="0"/>
+                <a:buChar char="•"/>
+                <a:defRPr sz="9600" kern="1200">
+                  <a:solidFill>
+                    <a:schemeClr val="tx1"/>
+                  </a:solidFill>
+                  <a:latin typeface="+mn-lt"/>
+                  <a:ea typeface="+mn-ea"/>
+                  <a:cs typeface="+mn-cs"/>
+                </a:defRPr>
+              </a:lvl9pPr>
+            </a:lstStyle>
+            <a:p>
+              <a:r>
+                <a:rPr lang="en-US" sz="6000" u="sng" dirty="0">
+                  <a:latin typeface="Times New Roman" panose="02020603050405020304" pitchFamily="18" charset="0"/>
+                  <a:cs typeface="Times New Roman" panose="02020603050405020304" pitchFamily="18" charset="0"/>
+                </a:rPr>
+                <a:t>Program Design</a:t>
+              </a:r>
+            </a:p>
+          </p:txBody>
+        </p:sp>
+      </p:grpSp>
+      <p:sp>
+        <p:nvSpPr>
+          <p:cNvPr id="57" name="Text Placeholder 16">
+            <a:extLst>
+              <a:ext uri="{FF2B5EF4-FFF2-40B4-BE49-F238E27FC236}">
+                <a16:creationId xmlns:a16="http://schemas.microsoft.com/office/drawing/2014/main" id="{B7098150-C4D5-4D56-A842-8C9ECB27BE05}"/>
+              </a:ext>
+            </a:extLst>
+          </p:cNvPr>
+          <p:cNvSpPr txBox="1">
+            <a:spLocks/>
+          </p:cNvSpPr>
+          <p:nvPr/>
+        </p:nvSpPr>
+        <p:spPr>
+          <a:xfrm>
+            <a:off x="26026727" y="6894309"/>
+            <a:ext cx="12265963" cy="1220881"/>
+          </a:xfrm>
+          <a:prstGeom prst="rect">
+            <a:avLst/>
+          </a:prstGeom>
+        </p:spPr>
+        <p:txBody>
+          <a:bodyPr>
+            <a:noAutofit/>
+          </a:bodyPr>
+          <a:lstStyle>
+            <a:lvl1pPr marL="0" indent="0" algn="ctr" defTabSz="4388900" rtl="0" eaLnBrk="1" latinLnBrk="0" hangingPunct="1">
+              <a:spcBef>
+                <a:spcPct val="20000"/>
+              </a:spcBef>
+              <a:buFontTx/>
+              <a:buNone/>
+              <a:defRPr sz="8800" b="1" kern="1200">
+                <a:solidFill>
+                  <a:schemeClr val="accent5">
+                    <a:lumMod val="50000"/>
+                  </a:schemeClr>
+                </a:solidFill>
+                <a:latin typeface="+mn-lt"/>
+                <a:ea typeface="+mn-ea"/>
+                <a:cs typeface="+mn-cs"/>
+              </a:defRPr>
+            </a:lvl1pPr>
+            <a:lvl2pPr marL="3565982" indent="-1371531" algn="l" defTabSz="4388900" rtl="0" eaLnBrk="1" latinLnBrk="0" hangingPunct="1">
+              <a:spcBef>
+                <a:spcPct val="20000"/>
+              </a:spcBef>
+              <a:buFontTx/>
+              <a:buNone/>
+              <a:defRPr sz="7200" kern="1200">
+                <a:solidFill>
+                  <a:schemeClr val="tx1"/>
+                </a:solidFill>
+                <a:latin typeface="+mn-lt"/>
+                <a:ea typeface="+mn-ea"/>
+                <a:cs typeface="+mn-cs"/>
+              </a:defRPr>
+            </a:lvl2pPr>
+            <a:lvl3pPr marL="5486126" indent="-1097226" algn="l" defTabSz="4388900" rtl="0" eaLnBrk="1" latinLnBrk="0" hangingPunct="1">
+              <a:spcBef>
+                <a:spcPct val="20000"/>
+              </a:spcBef>
+              <a:buFontTx/>
+              <a:buNone/>
+              <a:defRPr sz="7200" kern="1200">
+                <a:solidFill>
+                  <a:schemeClr val="tx1"/>
+                </a:solidFill>
+                <a:latin typeface="+mn-lt"/>
+                <a:ea typeface="+mn-ea"/>
+                <a:cs typeface="+mn-cs"/>
+              </a:defRPr>
+            </a:lvl3pPr>
+            <a:lvl4pPr marL="7680577" indent="-1097226" algn="l" defTabSz="4388900" rtl="0" eaLnBrk="1" latinLnBrk="0" hangingPunct="1">
+              <a:spcBef>
+                <a:spcPct val="20000"/>
+              </a:spcBef>
+              <a:buFontTx/>
+              <a:buNone/>
+              <a:defRPr sz="7200" kern="1200">
+                <a:solidFill>
+                  <a:schemeClr val="tx1"/>
+                </a:solidFill>
+                <a:latin typeface="+mn-lt"/>
+                <a:ea typeface="+mn-ea"/>
+                <a:cs typeface="+mn-cs"/>
+              </a:defRPr>
+            </a:lvl4pPr>
+            <a:lvl5pPr marL="9875026" indent="-1097226" algn="l" defTabSz="4388900" rtl="0" eaLnBrk="1" latinLnBrk="0" hangingPunct="1">
+              <a:spcBef>
+                <a:spcPct val="20000"/>
+              </a:spcBef>
+              <a:buFontTx/>
+              <a:buNone/>
+              <a:defRPr sz="7200" kern="1200">
+                <a:solidFill>
+                  <a:schemeClr val="tx1"/>
+                </a:solidFill>
+                <a:latin typeface="+mn-lt"/>
+                <a:ea typeface="+mn-ea"/>
+                <a:cs typeface="+mn-cs"/>
+              </a:defRPr>
+            </a:lvl5pPr>
+            <a:lvl6pPr marL="12069477" indent="-1097226" algn="l" defTabSz="4388900" rtl="0" eaLnBrk="1" latinLnBrk="0" hangingPunct="1">
+              <a:spcBef>
+                <a:spcPct val="20000"/>
+              </a:spcBef>
+              <a:buFont typeface="Arial" pitchFamily="34" charset="0"/>
+              <a:buChar char="•"/>
+              <a:defRPr sz="9600" kern="1200">
+                <a:solidFill>
+                  <a:schemeClr val="tx1"/>
+                </a:solidFill>
+                <a:latin typeface="+mn-lt"/>
+                <a:ea typeface="+mn-ea"/>
+                <a:cs typeface="+mn-cs"/>
+              </a:defRPr>
+            </a:lvl6pPr>
+            <a:lvl7pPr marL="14263926" indent="-1097226" algn="l" defTabSz="4388900" rtl="0" eaLnBrk="1" latinLnBrk="0" hangingPunct="1">
+              <a:spcBef>
+                <a:spcPct val="20000"/>
+              </a:spcBef>
+              <a:buFont typeface="Arial" pitchFamily="34" charset="0"/>
+              <a:buChar char="•"/>
+              <a:defRPr sz="9600" kern="1200">
+                <a:solidFill>
+                  <a:schemeClr val="tx1"/>
+                </a:solidFill>
+                <a:latin typeface="+mn-lt"/>
+                <a:ea typeface="+mn-ea"/>
+                <a:cs typeface="+mn-cs"/>
+              </a:defRPr>
+            </a:lvl7pPr>
+            <a:lvl8pPr marL="16458377" indent="-1097226" algn="l" defTabSz="4388900" rtl="0" eaLnBrk="1" latinLnBrk="0" hangingPunct="1">
+              <a:spcBef>
+                <a:spcPct val="20000"/>
+              </a:spcBef>
+              <a:buFont typeface="Arial" pitchFamily="34" charset="0"/>
+              <a:buChar char="•"/>
+              <a:defRPr sz="9600" kern="1200">
+                <a:solidFill>
+                  <a:schemeClr val="tx1"/>
+                </a:solidFill>
+                <a:latin typeface="+mn-lt"/>
+                <a:ea typeface="+mn-ea"/>
+                <a:cs typeface="+mn-cs"/>
+              </a:defRPr>
+            </a:lvl8pPr>
+            <a:lvl9pPr marL="18652827" indent="-1097226" algn="l" defTabSz="4388900" rtl="0" eaLnBrk="1" latinLnBrk="0" hangingPunct="1">
+              <a:spcBef>
+                <a:spcPct val="20000"/>
+              </a:spcBef>
+              <a:buFont typeface="Arial" pitchFamily="34" charset="0"/>
+              <a:buChar char="•"/>
+              <a:defRPr sz="9600" kern="1200">
+                <a:solidFill>
+                  <a:schemeClr val="tx1"/>
+                </a:solidFill>
+                <a:latin typeface="+mn-lt"/>
+                <a:ea typeface="+mn-ea"/>
+                <a:cs typeface="+mn-cs"/>
+              </a:defRPr>
+            </a:lvl9pPr>
+          </a:lstStyle>
+          <a:p>
+            <a:r>
+              <a:rPr lang="en-US" sz="6000" u="sng" dirty="0">
+                <a:latin typeface="Times New Roman" panose="02020603050405020304" pitchFamily="18" charset="0"/>
+                <a:cs typeface="Times New Roman" panose="02020603050405020304" pitchFamily="18" charset="0"/>
+              </a:rPr>
+              <a:t>Notifications</a:t>
+            </a:r>
+          </a:p>
+        </p:txBody>
+      </p:sp>
+      <p:grpSp>
+        <p:nvGrpSpPr>
+          <p:cNvPr id="2075" name="Group 2074">
+            <a:extLst>
+              <a:ext uri="{FF2B5EF4-FFF2-40B4-BE49-F238E27FC236}">
+                <a16:creationId xmlns:a16="http://schemas.microsoft.com/office/drawing/2014/main" id="{37A4CBAE-C4C9-46F9-AD84-206975574222}"/>
+              </a:ext>
+            </a:extLst>
+          </p:cNvPr>
+          <p:cNvGrpSpPr/>
+          <p:nvPr/>
+        </p:nvGrpSpPr>
+        <p:grpSpPr>
+          <a:xfrm>
+            <a:off x="35601303" y="8402302"/>
+            <a:ext cx="6164668" cy="5501921"/>
+            <a:chOff x="35848432" y="8064542"/>
+            <a:chExt cx="6164668" cy="5501921"/>
+          </a:xfrm>
+        </p:grpSpPr>
+        <p:pic>
+          <p:nvPicPr>
+            <p:cNvPr id="2067" name="Picture 2066">
+              <a:extLst>
+                <a:ext uri="{FF2B5EF4-FFF2-40B4-BE49-F238E27FC236}">
+                  <a16:creationId xmlns:a16="http://schemas.microsoft.com/office/drawing/2014/main" id="{10C2D338-4EAF-4A83-AE30-225D6BC2B4B0}"/>
+                </a:ext>
+              </a:extLst>
+            </p:cNvPr>
+            <p:cNvPicPr>
+              <a:picLocks noChangeAspect="1"/>
+            </p:cNvPicPr>
+            <p:nvPr/>
+          </p:nvPicPr>
+          <p:blipFill>
+            <a:blip r:embed="rId6">
+              <a:extLst>
+                <a:ext uri="{28A0092B-C50C-407E-A947-70E740481C1C}">
+                  <a14:useLocalDpi xmlns:a14="http://schemas.microsoft.com/office/drawing/2010/main" val="0"/>
+                </a:ext>
+              </a:extLst>
+            </a:blip>
+            <a:stretch>
+              <a:fillRect/>
+            </a:stretch>
+          </p:blipFill>
+          <p:spPr>
+            <a:xfrm>
+              <a:off x="35848432" y="8064542"/>
+              <a:ext cx="6164668" cy="2845232"/>
+            </a:xfrm>
+            <a:prstGeom prst="rect">
+              <a:avLst/>
+            </a:prstGeom>
+          </p:spPr>
+        </p:pic>
+        <p:pic>
+          <p:nvPicPr>
+            <p:cNvPr id="2069" name="Picture 2068">
+              <a:extLst>
+                <a:ext uri="{FF2B5EF4-FFF2-40B4-BE49-F238E27FC236}">
+                  <a16:creationId xmlns:a16="http://schemas.microsoft.com/office/drawing/2014/main" id="{0A51A0FB-72EF-49F4-AF35-F7DF7F3EB785}"/>
+                </a:ext>
+              </a:extLst>
+            </p:cNvPr>
+            <p:cNvPicPr>
+              <a:picLocks noChangeAspect="1"/>
+            </p:cNvPicPr>
+            <p:nvPr/>
+          </p:nvPicPr>
+          <p:blipFill>
+            <a:blip r:embed="rId7">
+              <a:extLst>
+                <a:ext uri="{28A0092B-C50C-407E-A947-70E740481C1C}">
+                  <a14:useLocalDpi xmlns:a14="http://schemas.microsoft.com/office/drawing/2010/main" val="0"/>
+                </a:ext>
+              </a:extLst>
+            </a:blip>
+            <a:stretch>
+              <a:fillRect/>
+            </a:stretch>
+          </p:blipFill>
+          <p:spPr>
+            <a:xfrm>
+              <a:off x="37711566" y="11128063"/>
+              <a:ext cx="2438400" cy="2438400"/>
+            </a:xfrm>
+            <a:prstGeom prst="rect">
+              <a:avLst/>
+            </a:prstGeom>
+          </p:spPr>
+        </p:pic>
+      </p:grpSp>
+      <p:sp>
+        <p:nvSpPr>
+          <p:cNvPr id="2070" name="TextBox 2069">
+            <a:extLst>
+              <a:ext uri="{FF2B5EF4-FFF2-40B4-BE49-F238E27FC236}">
+                <a16:creationId xmlns:a16="http://schemas.microsoft.com/office/drawing/2014/main" id="{47C0BF1F-C6CA-400A-A85D-031A7D832834}"/>
+              </a:ext>
+            </a:extLst>
+          </p:cNvPr>
+          <p:cNvSpPr txBox="1"/>
+          <p:nvPr/>
+        </p:nvSpPr>
+        <p:spPr>
+          <a:xfrm>
+            <a:off x="23189132" y="8766394"/>
+            <a:ext cx="12790764" cy="6740307"/>
+          </a:xfrm>
+          <a:prstGeom prst="rect">
+            <a:avLst/>
+          </a:prstGeom>
+          <a:noFill/>
+        </p:spPr>
+        <p:txBody>
+          <a:bodyPr wrap="square" rtlCol="0">
+            <a:spAutoFit/>
+          </a:bodyPr>
+          <a:lstStyle/>
+          <a:p>
+            <a:pPr marL="571500" indent="-571500">
+              <a:buFont typeface="Arial" panose="020B0604020202020204" pitchFamily="34" charset="0"/>
+              <a:buChar char="•"/>
+            </a:pPr>
+            <a:r>
+              <a:rPr lang="en-US" sz="5400" b="1" dirty="0">
+                <a:latin typeface="Times New Roman" panose="02020603050405020304" pitchFamily="18" charset="0"/>
+                <a:cs typeface="Times New Roman" panose="02020603050405020304" pitchFamily="18" charset="0"/>
+              </a:rPr>
+              <a:t>Can send multiple kinds of notifications</a:t>
+            </a:r>
+          </a:p>
+          <a:p>
+            <a:pPr marL="571500" indent="-571500">
+              <a:buFont typeface="Arial" panose="020B0604020202020204" pitchFamily="34" charset="0"/>
+              <a:buChar char="•"/>
+            </a:pPr>
+            <a:r>
+              <a:rPr lang="en-US" sz="5400" b="1" dirty="0">
+                <a:latin typeface="Times New Roman" panose="02020603050405020304" pitchFamily="18" charset="0"/>
+                <a:cs typeface="Times New Roman" panose="02020603050405020304" pitchFamily="18" charset="0"/>
+              </a:rPr>
+              <a:t>Twilio</a:t>
+            </a:r>
+          </a:p>
+          <a:p>
+            <a:r>
+              <a:rPr lang="en-US" sz="5400" b="1" dirty="0">
+                <a:latin typeface="Times New Roman" panose="02020603050405020304" pitchFamily="18" charset="0"/>
+                <a:cs typeface="Times New Roman" panose="02020603050405020304" pitchFamily="18" charset="0"/>
+              </a:rPr>
+              <a:t>        - calls and texts</a:t>
+            </a:r>
+          </a:p>
+          <a:p>
+            <a:r>
+              <a:rPr lang="en-US" sz="5400" b="1" dirty="0">
+                <a:latin typeface="Times New Roman" panose="02020603050405020304" pitchFamily="18" charset="0"/>
+                <a:cs typeface="Times New Roman" panose="02020603050405020304" pitchFamily="18" charset="0"/>
+              </a:rPr>
+              <a:t>        - pricy but has desirable features</a:t>
+            </a:r>
+          </a:p>
+          <a:p>
+            <a:pPr marL="571500" indent="-571500">
+              <a:buFont typeface="Arial" panose="020B0604020202020204" pitchFamily="34" charset="0"/>
+              <a:buChar char="•"/>
+            </a:pPr>
+            <a:r>
+              <a:rPr lang="en-US" sz="5400" b="1" dirty="0" err="1">
+                <a:latin typeface="Times New Roman" panose="02020603050405020304" pitchFamily="18" charset="0"/>
+                <a:cs typeface="Times New Roman" panose="02020603050405020304" pitchFamily="18" charset="0"/>
+              </a:rPr>
+              <a:t>Pushetta</a:t>
+            </a:r>
+            <a:endParaRPr lang="en-US" sz="5400" b="1" dirty="0">
+              <a:latin typeface="Times New Roman" panose="02020603050405020304" pitchFamily="18" charset="0"/>
+              <a:cs typeface="Times New Roman" panose="02020603050405020304" pitchFamily="18" charset="0"/>
+            </a:endParaRPr>
+          </a:p>
+          <a:p>
+            <a:r>
+              <a:rPr lang="en-US" sz="5400" b="1" dirty="0">
+                <a:latin typeface="Times New Roman" panose="02020603050405020304" pitchFamily="18" charset="0"/>
+                <a:cs typeface="Times New Roman" panose="02020603050405020304" pitchFamily="18" charset="0"/>
+              </a:rPr>
+              <a:t>        - app notifications</a:t>
+            </a:r>
+          </a:p>
+          <a:p>
+            <a:r>
+              <a:rPr lang="en-US" sz="5400" b="1" dirty="0">
+                <a:latin typeface="Times New Roman" panose="02020603050405020304" pitchFamily="18" charset="0"/>
+                <a:cs typeface="Times New Roman" panose="02020603050405020304" pitchFamily="18" charset="0"/>
+              </a:rPr>
+              <a:t>        - free but is less developed</a:t>
+            </a:r>
+          </a:p>
+          <a:p>
+            <a:endParaRPr lang="en-US" sz="5400" b="1" dirty="0">
               <a:latin typeface="Times New Roman" panose="02020603050405020304" pitchFamily="18" charset="0"/>
               <a:cs typeface="Times New Roman" panose="02020603050405020304" pitchFamily="18" charset="0"/>
             </a:endParaRPr>
           </a:p>
         </p:txBody>
       </p:sp>
+      <p:grpSp>
+        <p:nvGrpSpPr>
+          <p:cNvPr id="2076" name="Group 2075">
+            <a:extLst>
+              <a:ext uri="{FF2B5EF4-FFF2-40B4-BE49-F238E27FC236}">
+                <a16:creationId xmlns:a16="http://schemas.microsoft.com/office/drawing/2014/main" id="{A9A13A6B-125B-48CC-BEEC-003FEAD47A67}"/>
+              </a:ext>
+            </a:extLst>
+          </p:cNvPr>
+          <p:cNvGrpSpPr/>
+          <p:nvPr/>
+        </p:nvGrpSpPr>
+        <p:grpSpPr>
+          <a:xfrm>
+            <a:off x="3204645" y="19833986"/>
+            <a:ext cx="17497424" cy="9854144"/>
+            <a:chOff x="3481542" y="19637181"/>
+            <a:chExt cx="15577829" cy="9854144"/>
+          </a:xfrm>
+        </p:grpSpPr>
+        <p:sp>
+          <p:nvSpPr>
+            <p:cNvPr id="56" name="Text Placeholder 16">
+              <a:extLst>
+                <a:ext uri="{FF2B5EF4-FFF2-40B4-BE49-F238E27FC236}">
+                  <a16:creationId xmlns:a16="http://schemas.microsoft.com/office/drawing/2014/main" id="{06414077-E7CE-47A6-B884-CA3B8A05BAE7}"/>
+                </a:ext>
+              </a:extLst>
+            </p:cNvPr>
+            <p:cNvSpPr txBox="1">
+              <a:spLocks/>
+            </p:cNvSpPr>
+            <p:nvPr/>
+          </p:nvSpPr>
+          <p:spPr>
+            <a:xfrm>
+              <a:off x="4273781" y="19637181"/>
+              <a:ext cx="13050777" cy="1280160"/>
+            </a:xfrm>
+            <a:prstGeom prst="rect">
+              <a:avLst/>
+            </a:prstGeom>
+          </p:spPr>
+          <p:txBody>
+            <a:bodyPr>
+              <a:noAutofit/>
+            </a:bodyPr>
+            <a:lstStyle>
+              <a:lvl1pPr marL="0" indent="0" algn="ctr" defTabSz="4388900" rtl="0" eaLnBrk="1" latinLnBrk="0" hangingPunct="1">
+                <a:spcBef>
+                  <a:spcPct val="20000"/>
+                </a:spcBef>
+                <a:buFontTx/>
+                <a:buNone/>
+                <a:defRPr sz="8800" b="1" kern="1200">
+                  <a:solidFill>
+                    <a:schemeClr val="accent5">
+                      <a:lumMod val="50000"/>
+                    </a:schemeClr>
+                  </a:solidFill>
+                  <a:latin typeface="+mn-lt"/>
+                  <a:ea typeface="+mn-ea"/>
+                  <a:cs typeface="+mn-cs"/>
+                </a:defRPr>
+              </a:lvl1pPr>
+              <a:lvl2pPr marL="3565982" indent="-1371531" algn="l" defTabSz="4388900" rtl="0" eaLnBrk="1" latinLnBrk="0" hangingPunct="1">
+                <a:spcBef>
+                  <a:spcPct val="20000"/>
+                </a:spcBef>
+                <a:buFontTx/>
+                <a:buNone/>
+                <a:defRPr sz="7200" kern="1200">
+                  <a:solidFill>
+                    <a:schemeClr val="tx1"/>
+                  </a:solidFill>
+                  <a:latin typeface="+mn-lt"/>
+                  <a:ea typeface="+mn-ea"/>
+                  <a:cs typeface="+mn-cs"/>
+                </a:defRPr>
+              </a:lvl2pPr>
+              <a:lvl3pPr marL="5486126" indent="-1097226" algn="l" defTabSz="4388900" rtl="0" eaLnBrk="1" latinLnBrk="0" hangingPunct="1">
+                <a:spcBef>
+                  <a:spcPct val="20000"/>
+                </a:spcBef>
+                <a:buFontTx/>
+                <a:buNone/>
+                <a:defRPr sz="7200" kern="1200">
+                  <a:solidFill>
+                    <a:schemeClr val="tx1"/>
+                  </a:solidFill>
+                  <a:latin typeface="+mn-lt"/>
+                  <a:ea typeface="+mn-ea"/>
+                  <a:cs typeface="+mn-cs"/>
+                </a:defRPr>
+              </a:lvl3pPr>
+              <a:lvl4pPr marL="7680577" indent="-1097226" algn="l" defTabSz="4388900" rtl="0" eaLnBrk="1" latinLnBrk="0" hangingPunct="1">
+                <a:spcBef>
+                  <a:spcPct val="20000"/>
+                </a:spcBef>
+                <a:buFontTx/>
+                <a:buNone/>
+                <a:defRPr sz="7200" kern="1200">
+                  <a:solidFill>
+                    <a:schemeClr val="tx1"/>
+                  </a:solidFill>
+                  <a:latin typeface="+mn-lt"/>
+                  <a:ea typeface="+mn-ea"/>
+                  <a:cs typeface="+mn-cs"/>
+                </a:defRPr>
+              </a:lvl4pPr>
+              <a:lvl5pPr marL="9875026" indent="-1097226" algn="l" defTabSz="4388900" rtl="0" eaLnBrk="1" latinLnBrk="0" hangingPunct="1">
+                <a:spcBef>
+                  <a:spcPct val="20000"/>
+                </a:spcBef>
+                <a:buFontTx/>
+                <a:buNone/>
+                <a:defRPr sz="7200" kern="1200">
+                  <a:solidFill>
+                    <a:schemeClr val="tx1"/>
+                  </a:solidFill>
+                  <a:latin typeface="+mn-lt"/>
+                  <a:ea typeface="+mn-ea"/>
+                  <a:cs typeface="+mn-cs"/>
+                </a:defRPr>
+              </a:lvl5pPr>
+              <a:lvl6pPr marL="12069477" indent="-1097226" algn="l" defTabSz="4388900" rtl="0" eaLnBrk="1" latinLnBrk="0" hangingPunct="1">
+                <a:spcBef>
+                  <a:spcPct val="20000"/>
+                </a:spcBef>
+                <a:buFont typeface="Arial" pitchFamily="34" charset="0"/>
+                <a:buChar char="•"/>
+                <a:defRPr sz="9600" kern="1200">
+                  <a:solidFill>
+                    <a:schemeClr val="tx1"/>
+                  </a:solidFill>
+                  <a:latin typeface="+mn-lt"/>
+                  <a:ea typeface="+mn-ea"/>
+                  <a:cs typeface="+mn-cs"/>
+                </a:defRPr>
+              </a:lvl6pPr>
+              <a:lvl7pPr marL="14263926" indent="-1097226" algn="l" defTabSz="4388900" rtl="0" eaLnBrk="1" latinLnBrk="0" hangingPunct="1">
+                <a:spcBef>
+                  <a:spcPct val="20000"/>
+                </a:spcBef>
+                <a:buFont typeface="Arial" pitchFamily="34" charset="0"/>
+                <a:buChar char="•"/>
+                <a:defRPr sz="9600" kern="1200">
+                  <a:solidFill>
+                    <a:schemeClr val="tx1"/>
+                  </a:solidFill>
+                  <a:latin typeface="+mn-lt"/>
+                  <a:ea typeface="+mn-ea"/>
+                  <a:cs typeface="+mn-cs"/>
+                </a:defRPr>
+              </a:lvl7pPr>
+              <a:lvl8pPr marL="16458377" indent="-1097226" algn="l" defTabSz="4388900" rtl="0" eaLnBrk="1" latinLnBrk="0" hangingPunct="1">
+                <a:spcBef>
+                  <a:spcPct val="20000"/>
+                </a:spcBef>
+                <a:buFont typeface="Arial" pitchFamily="34" charset="0"/>
+                <a:buChar char="•"/>
+                <a:defRPr sz="9600" kern="1200">
+                  <a:solidFill>
+                    <a:schemeClr val="tx1"/>
+                  </a:solidFill>
+                  <a:latin typeface="+mn-lt"/>
+                  <a:ea typeface="+mn-ea"/>
+                  <a:cs typeface="+mn-cs"/>
+                </a:defRPr>
+              </a:lvl8pPr>
+              <a:lvl9pPr marL="18652827" indent="-1097226" algn="l" defTabSz="4388900" rtl="0" eaLnBrk="1" latinLnBrk="0" hangingPunct="1">
+                <a:spcBef>
+                  <a:spcPct val="20000"/>
+                </a:spcBef>
+                <a:buFont typeface="Arial" pitchFamily="34" charset="0"/>
+                <a:buChar char="•"/>
+                <a:defRPr sz="9600" kern="1200">
+                  <a:solidFill>
+                    <a:schemeClr val="tx1"/>
+                  </a:solidFill>
+                  <a:latin typeface="+mn-lt"/>
+                  <a:ea typeface="+mn-ea"/>
+                  <a:cs typeface="+mn-cs"/>
+                </a:defRPr>
+              </a:lvl9pPr>
+            </a:lstStyle>
+            <a:p>
+              <a:r>
+                <a:rPr lang="en-US" sz="6000" u="sng" dirty="0">
+                  <a:latin typeface="Times New Roman" panose="02020603050405020304" pitchFamily="18" charset="0"/>
+                  <a:cs typeface="Times New Roman" panose="02020603050405020304" pitchFamily="18" charset="0"/>
+                </a:rPr>
+                <a:t>Data Acquisition</a:t>
+              </a:r>
+            </a:p>
+          </p:txBody>
+        </p:sp>
+        <p:sp>
+          <p:nvSpPr>
+            <p:cNvPr id="69" name="TextBox 68">
+              <a:extLst>
+                <a:ext uri="{FF2B5EF4-FFF2-40B4-BE49-F238E27FC236}">
+                  <a16:creationId xmlns:a16="http://schemas.microsoft.com/office/drawing/2014/main" id="{21181B38-E0DD-40FA-9BAF-9364D8FEC7C0}"/>
+                </a:ext>
+              </a:extLst>
+            </p:cNvPr>
+            <p:cNvSpPr txBox="1"/>
+            <p:nvPr/>
+          </p:nvSpPr>
+          <p:spPr>
+            <a:xfrm>
+              <a:off x="3481542" y="21089025"/>
+              <a:ext cx="15577829" cy="8402300"/>
+            </a:xfrm>
+            <a:prstGeom prst="rect">
+              <a:avLst/>
+            </a:prstGeom>
+            <a:noFill/>
+          </p:spPr>
+          <p:txBody>
+            <a:bodyPr wrap="square" rtlCol="0">
+              <a:spAutoFit/>
+            </a:bodyPr>
+            <a:lstStyle/>
+            <a:p>
+              <a:pPr marL="571500" indent="-571500">
+                <a:buFont typeface="Arial" panose="020B0604020202020204" pitchFamily="34" charset="0"/>
+                <a:buChar char="•"/>
+              </a:pPr>
+              <a:r>
+                <a:rPr lang="en-US" sz="5400" b="1" dirty="0">
+                  <a:latin typeface="Times New Roman" panose="02020603050405020304" pitchFamily="18" charset="0"/>
+                  <a:cs typeface="Times New Roman" panose="02020603050405020304" pitchFamily="18" charset="0"/>
+                </a:rPr>
+                <a:t>Wireless data logging with MathWorks’ </a:t>
+              </a:r>
+              <a:r>
+                <a:rPr lang="en-US" sz="5400" b="1" dirty="0" err="1">
+                  <a:latin typeface="Times New Roman" panose="02020603050405020304" pitchFamily="18" charset="0"/>
+                  <a:cs typeface="Times New Roman" panose="02020603050405020304" pitchFamily="18" charset="0"/>
+                </a:rPr>
+                <a:t>ThingSpeak</a:t>
+              </a:r>
+              <a:endParaRPr lang="en-US" sz="5400" b="1" dirty="0">
+                <a:latin typeface="Times New Roman" panose="02020603050405020304" pitchFamily="18" charset="0"/>
+                <a:cs typeface="Times New Roman" panose="02020603050405020304" pitchFamily="18" charset="0"/>
+              </a:endParaRPr>
+            </a:p>
+            <a:p>
+              <a:r>
+                <a:rPr lang="en-US" sz="5400" b="1" dirty="0">
+                  <a:latin typeface="Times New Roman" panose="02020603050405020304" pitchFamily="18" charset="0"/>
+                  <a:cs typeface="Times New Roman" panose="02020603050405020304" pitchFamily="18" charset="0"/>
+                </a:rPr>
+                <a:t>        - little interaction required and real time logging</a:t>
+              </a:r>
+            </a:p>
+            <a:p>
+              <a:r>
+                <a:rPr lang="en-US" sz="5400" b="1" dirty="0">
+                  <a:latin typeface="Times New Roman" panose="02020603050405020304" pitchFamily="18" charset="0"/>
+                  <a:cs typeface="Times New Roman" panose="02020603050405020304" pitchFamily="18" charset="0"/>
+                </a:rPr>
+                <a:t>        - sped up testing phase</a:t>
+              </a:r>
+            </a:p>
+            <a:p>
+              <a:pPr marL="571500" indent="-571500">
+                <a:buFont typeface="Arial" panose="020B0604020202020204" pitchFamily="34" charset="0"/>
+                <a:buChar char="•"/>
+              </a:pPr>
+              <a:r>
+                <a:rPr lang="en-US" sz="5400" b="1" dirty="0">
+                  <a:latin typeface="Times New Roman" panose="02020603050405020304" pitchFamily="18" charset="0"/>
+                  <a:cs typeface="Times New Roman" panose="02020603050405020304" pitchFamily="18" charset="0"/>
+                </a:rPr>
+                <a:t>960 samples/second from accelerometer</a:t>
+              </a:r>
+            </a:p>
+            <a:p>
+              <a:r>
+                <a:rPr lang="en-US" sz="5400" b="1" dirty="0">
+                  <a:latin typeface="Times New Roman" panose="02020603050405020304" pitchFamily="18" charset="0"/>
+                  <a:cs typeface="Times New Roman" panose="02020603050405020304" pitchFamily="18" charset="0"/>
+                </a:rPr>
+                <a:t>          - thresholds determined from this data</a:t>
+              </a:r>
+            </a:p>
+            <a:p>
+              <a:pPr marL="685800" indent="-685800">
+                <a:buFont typeface="Arial" panose="020B0604020202020204" pitchFamily="34" charset="0"/>
+                <a:buChar char="•"/>
+              </a:pPr>
+              <a:r>
+                <a:rPr lang="en-US" sz="5400" b="1" dirty="0">
+                  <a:latin typeface="Times New Roman" panose="02020603050405020304" pitchFamily="18" charset="0"/>
+                  <a:cs typeface="Times New Roman" panose="02020603050405020304" pitchFamily="18" charset="0"/>
+                </a:rPr>
+                <a:t>File storage on Raspberry Pi</a:t>
+              </a:r>
+            </a:p>
+            <a:p>
+              <a:r>
+                <a:rPr lang="en-US" sz="5400" b="1" dirty="0">
+                  <a:latin typeface="Times New Roman" panose="02020603050405020304" pitchFamily="18" charset="0"/>
+                  <a:cs typeface="Times New Roman" panose="02020603050405020304" pitchFamily="18" charset="0"/>
+                </a:rPr>
+                <a:t>          - used to provide better timing information</a:t>
+              </a:r>
+            </a:p>
+            <a:p>
+              <a:r>
+                <a:rPr lang="en-US" sz="5400" b="1" dirty="0">
+                  <a:latin typeface="Times New Roman" panose="02020603050405020304" pitchFamily="18" charset="0"/>
+                  <a:cs typeface="Times New Roman" panose="02020603050405020304" pitchFamily="18" charset="0"/>
+                </a:rPr>
+                <a:t>          - difficult to change during test</a:t>
+              </a:r>
+            </a:p>
+            <a:p>
+              <a:pPr marL="2880251" lvl="1" indent="-685800">
+                <a:buFont typeface="Arial" panose="020B0604020202020204" pitchFamily="34" charset="0"/>
+                <a:buChar char="•"/>
+              </a:pPr>
+              <a:endParaRPr lang="en-US" sz="5400" b="1" dirty="0">
+                <a:latin typeface="Times New Roman" panose="02020603050405020304" pitchFamily="18" charset="0"/>
+                <a:cs typeface="Times New Roman" panose="02020603050405020304" pitchFamily="18" charset="0"/>
+              </a:endParaRPr>
+            </a:p>
+            <a:p>
+              <a:endParaRPr lang="en-US" sz="5400" b="1" dirty="0">
+                <a:latin typeface="Times New Roman" panose="02020603050405020304" pitchFamily="18" charset="0"/>
+                <a:cs typeface="Times New Roman" panose="02020603050405020304" pitchFamily="18" charset="0"/>
+              </a:endParaRPr>
+            </a:p>
+          </p:txBody>
+        </p:sp>
+      </p:grpSp>
+      <p:grpSp>
+        <p:nvGrpSpPr>
+          <p:cNvPr id="38" name="Group 37">
+            <a:extLst>
+              <a:ext uri="{FF2B5EF4-FFF2-40B4-BE49-F238E27FC236}">
+                <a16:creationId xmlns:a16="http://schemas.microsoft.com/office/drawing/2014/main" id="{ED3CB0EF-3733-40EE-AD77-727A5C7AD75A}"/>
+              </a:ext>
+            </a:extLst>
+          </p:cNvPr>
+          <p:cNvGrpSpPr/>
+          <p:nvPr/>
+        </p:nvGrpSpPr>
+        <p:grpSpPr>
+          <a:xfrm>
+            <a:off x="2140326" y="28190722"/>
+            <a:ext cx="18561744" cy="4244004"/>
+            <a:chOff x="2140325" y="28190533"/>
+            <a:chExt cx="20292661" cy="4244193"/>
+          </a:xfrm>
+        </p:grpSpPr>
+        <p:pic>
+          <p:nvPicPr>
+            <p:cNvPr id="2078" name="Picture 2077">
+              <a:extLst>
+                <a:ext uri="{FF2B5EF4-FFF2-40B4-BE49-F238E27FC236}">
+                  <a16:creationId xmlns:a16="http://schemas.microsoft.com/office/drawing/2014/main" id="{B5B99E19-42BC-44D2-A676-AA5A8D44D6A7}"/>
+                </a:ext>
+              </a:extLst>
+            </p:cNvPr>
+            <p:cNvPicPr>
+              <a:picLocks noChangeAspect="1"/>
+            </p:cNvPicPr>
+            <p:nvPr/>
+          </p:nvPicPr>
+          <p:blipFill>
+            <a:blip r:embed="rId8">
+              <a:extLst>
+                <a:ext uri="{28A0092B-C50C-407E-A947-70E740481C1C}">
+                  <a14:useLocalDpi xmlns:a14="http://schemas.microsoft.com/office/drawing/2010/main" val="0"/>
+                </a:ext>
+              </a:extLst>
+            </a:blip>
+            <a:stretch>
+              <a:fillRect/>
+            </a:stretch>
+          </p:blipFill>
+          <p:spPr>
+            <a:xfrm>
+              <a:off x="2140325" y="28190533"/>
+              <a:ext cx="6245442" cy="4244193"/>
+            </a:xfrm>
+            <a:prstGeom prst="rect">
+              <a:avLst/>
+            </a:prstGeom>
+          </p:spPr>
+        </p:pic>
+        <p:pic>
+          <p:nvPicPr>
+            <p:cNvPr id="34" name="Picture 33">
+              <a:extLst>
+                <a:ext uri="{FF2B5EF4-FFF2-40B4-BE49-F238E27FC236}">
+                  <a16:creationId xmlns:a16="http://schemas.microsoft.com/office/drawing/2014/main" id="{801F4721-2D31-4C2E-A74D-60D2A325AF9C}"/>
+                </a:ext>
+              </a:extLst>
+            </p:cNvPr>
+            <p:cNvPicPr>
+              <a:picLocks noChangeAspect="1"/>
+            </p:cNvPicPr>
+            <p:nvPr/>
+          </p:nvPicPr>
+          <p:blipFill>
+            <a:blip r:embed="rId9">
+              <a:extLst>
+                <a:ext uri="{28A0092B-C50C-407E-A947-70E740481C1C}">
+                  <a14:useLocalDpi xmlns:a14="http://schemas.microsoft.com/office/drawing/2010/main" val="0"/>
+                </a:ext>
+              </a:extLst>
+            </a:blip>
+            <a:stretch>
+              <a:fillRect/>
+            </a:stretch>
+          </p:blipFill>
+          <p:spPr>
+            <a:xfrm>
+              <a:off x="9176100" y="28190533"/>
+              <a:ext cx="6226741" cy="4244193"/>
+            </a:xfrm>
+            <a:prstGeom prst="rect">
+              <a:avLst/>
+            </a:prstGeom>
+          </p:spPr>
+        </p:pic>
+        <p:pic>
+          <p:nvPicPr>
+            <p:cNvPr id="36" name="Picture 35">
+              <a:extLst>
+                <a:ext uri="{FF2B5EF4-FFF2-40B4-BE49-F238E27FC236}">
+                  <a16:creationId xmlns:a16="http://schemas.microsoft.com/office/drawing/2014/main" id="{848C8D2F-4157-4B78-AD84-2181D7EC5BED}"/>
+                </a:ext>
+              </a:extLst>
+            </p:cNvPr>
+            <p:cNvPicPr>
+              <a:picLocks noChangeAspect="1"/>
+            </p:cNvPicPr>
+            <p:nvPr/>
+          </p:nvPicPr>
+          <p:blipFill>
+            <a:blip r:embed="rId10">
+              <a:extLst>
+                <a:ext uri="{28A0092B-C50C-407E-A947-70E740481C1C}">
+                  <a14:useLocalDpi xmlns:a14="http://schemas.microsoft.com/office/drawing/2010/main" val="0"/>
+                </a:ext>
+              </a:extLst>
+            </a:blip>
+            <a:stretch>
+              <a:fillRect/>
+            </a:stretch>
+          </p:blipFill>
+          <p:spPr>
+            <a:xfrm>
+              <a:off x="16197490" y="28190722"/>
+              <a:ext cx="6235496" cy="4244004"/>
+            </a:xfrm>
+            <a:prstGeom prst="rect">
+              <a:avLst/>
+            </a:prstGeom>
+          </p:spPr>
+        </p:pic>
+      </p:grpSp>
     </p:spTree>
     <p:extLst>
       <p:ext uri="{BB962C8B-B14F-4D97-AF65-F5344CB8AC3E}">
